--- a/presentation.pptx
+++ b/presentation.pptx
@@ -5,7 +5,7 @@
     <p:sldMasterId id="2147483707" r:id="rId1"/>
   </p:sldMasterIdLst>
   <p:notesMasterIdLst>
-    <p:notesMasterId r:id="rId29"/>
+    <p:notesMasterId r:id="rId30"/>
   </p:notesMasterIdLst>
   <p:sldIdLst>
     <p:sldId id="256" r:id="rId2"/>
@@ -28,28 +28,29 @@
     <p:sldId id="349" r:id="rId19"/>
     <p:sldId id="351" r:id="rId20"/>
     <p:sldId id="364" r:id="rId21"/>
-    <p:sldId id="345" r:id="rId22"/>
-    <p:sldId id="365" r:id="rId23"/>
-    <p:sldId id="272" r:id="rId24"/>
+    <p:sldId id="365" r:id="rId22"/>
+    <p:sldId id="366" r:id="rId23"/>
+    <p:sldId id="345" r:id="rId24"/>
     <p:sldId id="363" r:id="rId25"/>
-    <p:sldId id="352" r:id="rId26"/>
-    <p:sldId id="347" r:id="rId27"/>
-    <p:sldId id="261" r:id="rId28"/>
+    <p:sldId id="272" r:id="rId26"/>
+    <p:sldId id="352" r:id="rId27"/>
+    <p:sldId id="347" r:id="rId28"/>
+    <p:sldId id="261" r:id="rId29"/>
   </p:sldIdLst>
   <p:sldSz cx="9144000" cy="5143500" type="screen16x9"/>
   <p:notesSz cx="6858000" cy="9144000"/>
   <p:embeddedFontLst>
     <p:embeddedFont>
       <p:font typeface="Catamaran" panose="020B0604020202020204" charset="0"/>
-      <p:regular r:id="rId30"/>
-      <p:bold r:id="rId31"/>
+      <p:regular r:id="rId31"/>
+      <p:bold r:id="rId32"/>
     </p:embeddedFont>
     <p:embeddedFont>
       <p:font typeface="Cormorant Garamond" panose="020B0604020202020204" charset="0"/>
-      <p:regular r:id="rId32"/>
-      <p:bold r:id="rId33"/>
-      <p:italic r:id="rId34"/>
-      <p:boldItalic r:id="rId35"/>
+      <p:regular r:id="rId33"/>
+      <p:bold r:id="rId34"/>
+      <p:italic r:id="rId35"/>
+      <p:boldItalic r:id="rId36"/>
     </p:embeddedFont>
   </p:embeddedFontLst>
   <p:defaultTextStyle>
@@ -2137,7 +2138,7 @@
   <p:cSld>
     <p:spTree>
       <p:nvGrpSpPr>
-        <p:cNvPr id="1" name="Shape 849"/>
+        <p:cNvPr id="1" name="Shape 727"/>
         <p:cNvGrpSpPr/>
         <p:nvPr/>
       </p:nvGrpSpPr>
@@ -2151,7 +2152,7 @@
       </p:grpSpPr>
       <p:sp>
         <p:nvSpPr>
-          <p:cNvPr id="850" name="Google Shape;850;g13bb0cf07a3_0_287:notes"/>
+          <p:cNvPr id="728" name="Google Shape;728;g13bb0cf07a3_0_542:notes"/>
           <p:cNvSpPr>
             <a:spLocks noGrp="1" noRot="1" noChangeAspect="1"/>
           </p:cNvSpPr>
@@ -2192,7 +2193,7 @@
       </p:sp>
       <p:sp>
         <p:nvSpPr>
-          <p:cNvPr id="851" name="Google Shape;851;g13bb0cf07a3_0_287:notes"/>
+          <p:cNvPr id="729" name="Google Shape;729;g13bb0cf07a3_0_542:notes"/>
           <p:cNvSpPr txBox="1">
             <a:spLocks noGrp="1"/>
           </p:cNvSpPr>
@@ -2231,7 +2232,7 @@
     </p:spTree>
     <p:extLst>
       <p:ext uri="{BB962C8B-B14F-4D97-AF65-F5344CB8AC3E}">
-        <p14:creationId xmlns:p14="http://schemas.microsoft.com/office/powerpoint/2010/main" val="2957460791"/>
+        <p14:creationId xmlns:p14="http://schemas.microsoft.com/office/powerpoint/2010/main" val="932106516"/>
       </p:ext>
     </p:extLst>
   </p:cSld>
@@ -2340,7 +2341,7 @@
     </p:spTree>
     <p:extLst>
       <p:ext uri="{BB962C8B-B14F-4D97-AF65-F5344CB8AC3E}">
-        <p14:creationId xmlns:p14="http://schemas.microsoft.com/office/powerpoint/2010/main" val="932106516"/>
+        <p14:creationId xmlns:p14="http://schemas.microsoft.com/office/powerpoint/2010/main" val="3340606141"/>
       </p:ext>
     </p:extLst>
   </p:cSld>
@@ -2355,7 +2356,7 @@
   <p:cSld>
     <p:spTree>
       <p:nvGrpSpPr>
-        <p:cNvPr id="1" name="Shape 727"/>
+        <p:cNvPr id="1" name="Shape 849"/>
         <p:cNvGrpSpPr/>
         <p:nvPr/>
       </p:nvGrpSpPr>
@@ -2369,7 +2370,7 @@
       </p:grpSpPr>
       <p:sp>
         <p:nvSpPr>
-          <p:cNvPr id="728" name="Google Shape;728;g13bb0cf07a3_0_542:notes"/>
+          <p:cNvPr id="850" name="Google Shape;850;g13bb0cf07a3_0_287:notes"/>
           <p:cNvSpPr>
             <a:spLocks noGrp="1" noRot="1" noChangeAspect="1"/>
           </p:cNvSpPr>
@@ -2410,7 +2411,7 @@
       </p:sp>
       <p:sp>
         <p:nvSpPr>
-          <p:cNvPr id="729" name="Google Shape;729;g13bb0cf07a3_0_542:notes"/>
+          <p:cNvPr id="851" name="Google Shape;851;g13bb0cf07a3_0_287:notes"/>
           <p:cNvSpPr txBox="1">
             <a:spLocks noGrp="1"/>
           </p:cNvSpPr>
@@ -2447,6 +2448,11 @@
         </p:txBody>
       </p:sp>
     </p:spTree>
+    <p:extLst>
+      <p:ext uri="{BB962C8B-B14F-4D97-AF65-F5344CB8AC3E}">
+        <p14:creationId xmlns:p14="http://schemas.microsoft.com/office/powerpoint/2010/main" val="2957460791"/>
+      </p:ext>
+    </p:extLst>
   </p:cSld>
   <p:clrMapOvr>
     <a:masterClrMapping/>
@@ -2568,6 +2574,110 @@
   <p:cSld>
     <p:spTree>
       <p:nvGrpSpPr>
+        <p:cNvPr id="1" name="Shape 727"/>
+        <p:cNvGrpSpPr/>
+        <p:nvPr/>
+      </p:nvGrpSpPr>
+      <p:grpSpPr>
+        <a:xfrm>
+          <a:off x="0" y="0"/>
+          <a:ext cx="0" cy="0"/>
+          <a:chOff x="0" y="0"/>
+          <a:chExt cx="0" cy="0"/>
+        </a:xfrm>
+      </p:grpSpPr>
+      <p:sp>
+        <p:nvSpPr>
+          <p:cNvPr id="728" name="Google Shape;728;g13bb0cf07a3_0_542:notes"/>
+          <p:cNvSpPr>
+            <a:spLocks noGrp="1" noRot="1" noChangeAspect="1"/>
+          </p:cNvSpPr>
+          <p:nvPr>
+            <p:ph type="sldImg" idx="2"/>
+          </p:nvPr>
+        </p:nvSpPr>
+        <p:spPr>
+          <a:xfrm>
+            <a:off x="381000" y="685800"/>
+            <a:ext cx="6096000" cy="3429000"/>
+          </a:xfrm>
+          <a:custGeom>
+            <a:avLst/>
+            <a:gdLst/>
+            <a:ahLst/>
+            <a:cxnLst/>
+            <a:rect l="l" t="t" r="r" b="b"/>
+            <a:pathLst>
+              <a:path w="120000" h="120000" extrusionOk="0">
+                <a:moveTo>
+                  <a:pt x="0" y="0"/>
+                </a:moveTo>
+                <a:lnTo>
+                  <a:pt x="120000" y="0"/>
+                </a:lnTo>
+                <a:lnTo>
+                  <a:pt x="120000" y="120000"/>
+                </a:lnTo>
+                <a:lnTo>
+                  <a:pt x="0" y="120000"/>
+                </a:lnTo>
+                <a:close/>
+              </a:path>
+            </a:pathLst>
+          </a:custGeom>
+        </p:spPr>
+      </p:sp>
+      <p:sp>
+        <p:nvSpPr>
+          <p:cNvPr id="729" name="Google Shape;729;g13bb0cf07a3_0_542:notes"/>
+          <p:cNvSpPr txBox="1">
+            <a:spLocks noGrp="1"/>
+          </p:cNvSpPr>
+          <p:nvPr>
+            <p:ph type="body" idx="1"/>
+          </p:nvPr>
+        </p:nvSpPr>
+        <p:spPr>
+          <a:xfrm>
+            <a:off x="685800" y="4343400"/>
+            <a:ext cx="5486400" cy="4114800"/>
+          </a:xfrm>
+          <a:prstGeom prst="rect">
+            <a:avLst/>
+          </a:prstGeom>
+        </p:spPr>
+        <p:txBody>
+          <a:bodyPr spcFirstLastPara="1" wrap="square" lIns="91425" tIns="91425" rIns="91425" bIns="91425" anchor="t" anchorCtr="0">
+            <a:noAutofit/>
+          </a:bodyPr>
+          <a:lstStyle/>
+          <a:p>
+            <a:pPr marL="0" lvl="0" indent="0" algn="l" rtl="0">
+              <a:spcBef>
+                <a:spcPts val="0"/>
+              </a:spcBef>
+              <a:spcAft>
+                <a:spcPts val="0"/>
+              </a:spcAft>
+              <a:buNone/>
+            </a:pPr>
+            <a:endParaRPr/>
+          </a:p>
+        </p:txBody>
+      </p:sp>
+    </p:spTree>
+  </p:cSld>
+  <p:clrMapOvr>
+    <a:masterClrMapping/>
+  </p:clrMapOvr>
+</p:notes>
+</file>
+
+<file path=ppt/notesSlides/notesSlide26.xml><?xml version="1.0" encoding="utf-8"?>
+<p:notes xmlns:a="http://schemas.openxmlformats.org/drawingml/2006/main" xmlns:r="http://schemas.openxmlformats.org/officeDocument/2006/relationships" xmlns:p="http://schemas.openxmlformats.org/presentationml/2006/main" showMasterSp="0" showMasterPhAnim="0">
+  <p:cSld>
+    <p:spTree>
+      <p:nvGrpSpPr>
         <p:cNvPr id="1" name="Shape 849"/>
         <p:cNvGrpSpPr/>
         <p:nvPr/>
@@ -2672,7 +2782,7 @@
 </p:notes>
 </file>
 
-<file path=ppt/notesSlides/notesSlide26.xml><?xml version="1.0" encoding="utf-8"?>
+<file path=ppt/notesSlides/notesSlide27.xml><?xml version="1.0" encoding="utf-8"?>
 <p:notes xmlns:a="http://schemas.openxmlformats.org/drawingml/2006/main" xmlns:r="http://schemas.openxmlformats.org/officeDocument/2006/relationships" xmlns:p="http://schemas.openxmlformats.org/presentationml/2006/main" showMasterSp="0" showMasterPhAnim="0">
   <p:cSld>
     <p:spTree>
@@ -17728,7 +17838,7 @@
   <p:cSld>
     <p:spTree>
       <p:nvGrpSpPr>
-        <p:cNvPr id="1" name="Shape 852"/>
+        <p:cNvPr id="1" name="Shape 730"/>
         <p:cNvGrpSpPr/>
         <p:nvPr/>
       </p:nvGrpSpPr>
@@ -17742,49 +17852,7 @@
       </p:grpSpPr>
       <p:sp>
         <p:nvSpPr>
-          <p:cNvPr id="853" name="Google Shape;853;p83"/>
-          <p:cNvSpPr txBox="1">
-            <a:spLocks noGrp="1"/>
-          </p:cNvSpPr>
-          <p:nvPr>
-            <p:ph type="title" idx="2"/>
-          </p:nvPr>
-        </p:nvSpPr>
-        <p:spPr>
-          <a:xfrm>
-            <a:off x="1792550" y="1377700"/>
-            <a:ext cx="1098300" cy="1098300"/>
-          </a:xfrm>
-          <a:prstGeom prst="rect">
-            <a:avLst/>
-          </a:prstGeom>
-        </p:spPr>
-        <p:txBody>
-          <a:bodyPr spcFirstLastPara="1" wrap="square" lIns="91425" tIns="91425" rIns="91425" bIns="91425" anchor="ctr" anchorCtr="0">
-            <a:noAutofit/>
-          </a:bodyPr>
-          <a:lstStyle/>
-          <a:p>
-            <a:pPr marL="0" lvl="0" indent="0" algn="ctr" rtl="0">
-              <a:spcBef>
-                <a:spcPts val="0"/>
-              </a:spcBef>
-              <a:spcAft>
-                <a:spcPts val="0"/>
-              </a:spcAft>
-              <a:buNone/>
-            </a:pPr>
-            <a:r>
-              <a:rPr lang="en" dirty="0"/>
-              <a:t>04</a:t>
-            </a:r>
-            <a:endParaRPr dirty="0"/>
-          </a:p>
-        </p:txBody>
-      </p:sp>
-      <p:sp>
-        <p:nvSpPr>
-          <p:cNvPr id="854" name="Google Shape;854;p83"/>
+          <p:cNvPr id="731" name="Google Shape;731;p79"/>
           <p:cNvSpPr txBox="1">
             <a:spLocks noGrp="1"/>
           </p:cNvSpPr>
@@ -17794,20 +17862,20 @@
         </p:nvSpPr>
         <p:spPr>
           <a:xfrm>
-            <a:off x="1792550" y="2757912"/>
-            <a:ext cx="6263629" cy="907571"/>
+            <a:off x="720075" y="539400"/>
+            <a:ext cx="7704000" cy="572700"/>
           </a:xfrm>
           <a:prstGeom prst="rect">
             <a:avLst/>
           </a:prstGeom>
         </p:spPr>
         <p:txBody>
-          <a:bodyPr spcFirstLastPara="1" wrap="square" lIns="91425" tIns="91425" rIns="91425" bIns="91425" anchor="b" anchorCtr="0">
+          <a:bodyPr spcFirstLastPara="1" wrap="square" lIns="91425" tIns="91425" rIns="91425" bIns="91425" anchor="t" anchorCtr="0">
             <a:noAutofit/>
           </a:bodyPr>
           <a:lstStyle/>
           <a:p>
-            <a:pPr marL="0" lvl="0" indent="0" algn="l" rtl="0">
+            <a:pPr marL="0" lvl="0" indent="0" algn="ctr" rtl="0">
               <a:spcBef>
                 <a:spcPts val="0"/>
               </a:spcBef>
@@ -17817,17 +17885,72 @@
               <a:buNone/>
             </a:pPr>
             <a:r>
-              <a:rPr lang="en" sz="4400" dirty="0"/>
-              <a:t>Application</a:t>
-            </a:r>
-            <a:endParaRPr sz="4400" dirty="0"/>
+              <a:rPr lang="en" dirty="0"/>
+              <a:t>Website Overlook</a:t>
+            </a:r>
+            <a:endParaRPr dirty="0"/>
           </a:p>
         </p:txBody>
       </p:sp>
+      <p:cxnSp>
+        <p:nvCxnSpPr>
+          <p:cNvPr id="738" name="Google Shape;738;p79"/>
+          <p:cNvCxnSpPr/>
+          <p:nvPr/>
+        </p:nvCxnSpPr>
+        <p:spPr>
+          <a:xfrm>
+            <a:off x="4065100" y="1169326"/>
+            <a:ext cx="1014000" cy="0"/>
+          </a:xfrm>
+          <a:prstGeom prst="straightConnector1">
+            <a:avLst/>
+          </a:prstGeom>
+          <a:noFill/>
+          <a:ln w="9525" cap="flat" cmpd="sng">
+            <a:solidFill>
+              <a:schemeClr val="accent2"/>
+            </a:solidFill>
+            <a:prstDash val="solid"/>
+            <a:round/>
+            <a:headEnd type="none" w="med" len="med"/>
+            <a:tailEnd type="none" w="med" len="med"/>
+          </a:ln>
+        </p:spPr>
+      </p:cxnSp>
+      <p:pic>
+        <p:nvPicPr>
+          <p:cNvPr id="7" name="Picture 6">
+            <a:extLst>
+              <a:ext uri="{FF2B5EF4-FFF2-40B4-BE49-F238E27FC236}">
+                <a16:creationId xmlns:a16="http://schemas.microsoft.com/office/drawing/2014/main" id="{2E7F742B-82D0-0083-F57F-5681A523195A}"/>
+              </a:ext>
+            </a:extLst>
+          </p:cNvPr>
+          <p:cNvPicPr>
+            <a:picLocks noChangeAspect="1"/>
+          </p:cNvPicPr>
+          <p:nvPr/>
+        </p:nvPicPr>
+        <p:blipFill rotWithShape="1">
+          <a:blip r:embed="rId3"/>
+          <a:srcRect b="14076"/>
+          <a:stretch/>
+        </p:blipFill>
+        <p:spPr>
+          <a:xfrm>
+            <a:off x="720075" y="1311335"/>
+            <a:ext cx="7645460" cy="3292765"/>
+          </a:xfrm>
+          <a:prstGeom prst="rect">
+            <a:avLst/>
+          </a:prstGeom>
+        </p:spPr>
+      </p:pic>
     </p:spTree>
     <p:extLst>
       <p:ext uri="{BB962C8B-B14F-4D97-AF65-F5344CB8AC3E}">
-        <p14:creationId xmlns:p14="http://schemas.microsoft.com/office/powerpoint/2010/main" val="2992185430"/>
+        <p14:creationId xmlns:p14="http://schemas.microsoft.com/office/powerpoint/2010/main" val="373693435"/>
       </p:ext>
     </p:extLst>
   </p:cSld>
@@ -17889,8 +18012,8 @@
               <a:buNone/>
             </a:pPr>
             <a:r>
-              <a:rPr lang="en" dirty="0"/>
-              <a:t>Website Overlook</a:t>
+              <a:rPr lang="en-IN" dirty="0"/>
+              <a:t>Try-it-out</a:t>
             </a:r>
             <a:endParaRPr dirty="0"/>
           </a:p>
@@ -17922,10 +18045,40 @@
           </a:ln>
         </p:spPr>
       </p:cxnSp>
+      <p:pic>
+        <p:nvPicPr>
+          <p:cNvPr id="3" name="Picture 2">
+            <a:extLst>
+              <a:ext uri="{FF2B5EF4-FFF2-40B4-BE49-F238E27FC236}">
+                <a16:creationId xmlns:a16="http://schemas.microsoft.com/office/drawing/2014/main" id="{DDD5FE02-1545-1C04-1AEA-7E2A84E84A1B}"/>
+              </a:ext>
+            </a:extLst>
+          </p:cNvPr>
+          <p:cNvPicPr>
+            <a:picLocks noChangeAspect="1"/>
+          </p:cNvPicPr>
+          <p:nvPr/>
+        </p:nvPicPr>
+        <p:blipFill>
+          <a:blip r:embed="rId3"/>
+          <a:stretch>
+            <a:fillRect/>
+          </a:stretch>
+        </p:blipFill>
+        <p:spPr>
+          <a:xfrm>
+            <a:off x="3130261" y="1352550"/>
+            <a:ext cx="2883477" cy="2883477"/>
+          </a:xfrm>
+          <a:prstGeom prst="rect">
+            <a:avLst/>
+          </a:prstGeom>
+        </p:spPr>
+      </p:pic>
     </p:spTree>
     <p:extLst>
       <p:ext uri="{BB962C8B-B14F-4D97-AF65-F5344CB8AC3E}">
-        <p14:creationId xmlns:p14="http://schemas.microsoft.com/office/powerpoint/2010/main" val="373693435"/>
+        <p14:creationId xmlns:p14="http://schemas.microsoft.com/office/powerpoint/2010/main" val="4123420290"/>
       </p:ext>
     </p:extLst>
   </p:cSld>
@@ -17936,6 +18089,397 @@
 </file>
 
 <file path=ppt/slides/slide23.xml><?xml version="1.0" encoding="utf-8"?>
+<p:sld xmlns:a="http://schemas.openxmlformats.org/drawingml/2006/main" xmlns:r="http://schemas.openxmlformats.org/officeDocument/2006/relationships" xmlns:p="http://schemas.openxmlformats.org/presentationml/2006/main">
+  <p:cSld>
+    <p:spTree>
+      <p:nvGrpSpPr>
+        <p:cNvPr id="1" name="Shape 852"/>
+        <p:cNvGrpSpPr/>
+        <p:nvPr/>
+      </p:nvGrpSpPr>
+      <p:grpSpPr>
+        <a:xfrm>
+          <a:off x="0" y="0"/>
+          <a:ext cx="0" cy="0"/>
+          <a:chOff x="0" y="0"/>
+          <a:chExt cx="0" cy="0"/>
+        </a:xfrm>
+      </p:grpSpPr>
+      <p:sp>
+        <p:nvSpPr>
+          <p:cNvPr id="853" name="Google Shape;853;p83"/>
+          <p:cNvSpPr txBox="1">
+            <a:spLocks noGrp="1"/>
+          </p:cNvSpPr>
+          <p:nvPr>
+            <p:ph type="title" idx="2"/>
+          </p:nvPr>
+        </p:nvSpPr>
+        <p:spPr>
+          <a:xfrm>
+            <a:off x="1792550" y="1377700"/>
+            <a:ext cx="1098300" cy="1098300"/>
+          </a:xfrm>
+          <a:prstGeom prst="rect">
+            <a:avLst/>
+          </a:prstGeom>
+        </p:spPr>
+        <p:txBody>
+          <a:bodyPr spcFirstLastPara="1" wrap="square" lIns="91425" tIns="91425" rIns="91425" bIns="91425" anchor="ctr" anchorCtr="0">
+            <a:noAutofit/>
+          </a:bodyPr>
+          <a:lstStyle/>
+          <a:p>
+            <a:pPr marL="0" lvl="0" indent="0" algn="ctr" rtl="0">
+              <a:spcBef>
+                <a:spcPts val="0"/>
+              </a:spcBef>
+              <a:spcAft>
+                <a:spcPts val="0"/>
+              </a:spcAft>
+              <a:buNone/>
+            </a:pPr>
+            <a:r>
+              <a:rPr lang="en" dirty="0"/>
+              <a:t>05</a:t>
+            </a:r>
+            <a:endParaRPr dirty="0"/>
+          </a:p>
+        </p:txBody>
+      </p:sp>
+      <p:sp>
+        <p:nvSpPr>
+          <p:cNvPr id="854" name="Google Shape;854;p83"/>
+          <p:cNvSpPr txBox="1">
+            <a:spLocks noGrp="1"/>
+          </p:cNvSpPr>
+          <p:nvPr>
+            <p:ph type="title"/>
+          </p:nvPr>
+        </p:nvSpPr>
+        <p:spPr>
+          <a:xfrm>
+            <a:off x="1792550" y="2757912"/>
+            <a:ext cx="6263629" cy="907571"/>
+          </a:xfrm>
+          <a:prstGeom prst="rect">
+            <a:avLst/>
+          </a:prstGeom>
+        </p:spPr>
+        <p:txBody>
+          <a:bodyPr spcFirstLastPara="1" wrap="square" lIns="91425" tIns="91425" rIns="91425" bIns="91425" anchor="b" anchorCtr="0">
+            <a:noAutofit/>
+          </a:bodyPr>
+          <a:lstStyle/>
+          <a:p>
+            <a:pPr marL="0" lvl="0" indent="0" algn="l" rtl="0">
+              <a:spcBef>
+                <a:spcPts val="0"/>
+              </a:spcBef>
+              <a:spcAft>
+                <a:spcPts val="0"/>
+              </a:spcAft>
+              <a:buNone/>
+            </a:pPr>
+            <a:r>
+              <a:rPr lang="en" sz="4400" dirty="0"/>
+              <a:t>Application</a:t>
+            </a:r>
+            <a:endParaRPr sz="4400" dirty="0"/>
+          </a:p>
+        </p:txBody>
+      </p:sp>
+    </p:spTree>
+    <p:extLst>
+      <p:ext uri="{BB962C8B-B14F-4D97-AF65-F5344CB8AC3E}">
+        <p14:creationId xmlns:p14="http://schemas.microsoft.com/office/powerpoint/2010/main" val="2992185430"/>
+      </p:ext>
+    </p:extLst>
+  </p:cSld>
+  <p:clrMapOvr>
+    <a:masterClrMapping/>
+  </p:clrMapOvr>
+</p:sld>
+</file>
+
+<file path=ppt/slides/slide24.xml><?xml version="1.0" encoding="utf-8"?>
+<p:sld xmlns:a="http://schemas.openxmlformats.org/drawingml/2006/main" xmlns:r="http://schemas.openxmlformats.org/officeDocument/2006/relationships" xmlns:p="http://schemas.openxmlformats.org/presentationml/2006/main">
+  <p:cSld>
+    <p:spTree>
+      <p:nvGrpSpPr>
+        <p:cNvPr id="1" name="Shape 730"/>
+        <p:cNvGrpSpPr/>
+        <p:nvPr/>
+      </p:nvGrpSpPr>
+      <p:grpSpPr>
+        <a:xfrm>
+          <a:off x="0" y="0"/>
+          <a:ext cx="0" cy="0"/>
+          <a:chOff x="0" y="0"/>
+          <a:chExt cx="0" cy="0"/>
+        </a:xfrm>
+      </p:grpSpPr>
+      <p:sp>
+        <p:nvSpPr>
+          <p:cNvPr id="731" name="Google Shape;731;p79"/>
+          <p:cNvSpPr txBox="1">
+            <a:spLocks noGrp="1"/>
+          </p:cNvSpPr>
+          <p:nvPr>
+            <p:ph type="title"/>
+          </p:nvPr>
+        </p:nvSpPr>
+        <p:spPr>
+          <a:xfrm>
+            <a:off x="720075" y="539400"/>
+            <a:ext cx="7704000" cy="572700"/>
+          </a:xfrm>
+          <a:prstGeom prst="rect">
+            <a:avLst/>
+          </a:prstGeom>
+        </p:spPr>
+        <p:txBody>
+          <a:bodyPr spcFirstLastPara="1" wrap="square" lIns="91425" tIns="91425" rIns="91425" bIns="91425" anchor="t" anchorCtr="0">
+            <a:noAutofit/>
+          </a:bodyPr>
+          <a:lstStyle/>
+          <a:p>
+            <a:pPr marL="0" lvl="0" indent="0" algn="ctr" rtl="0">
+              <a:spcBef>
+                <a:spcPts val="0"/>
+              </a:spcBef>
+              <a:spcAft>
+                <a:spcPts val="0"/>
+              </a:spcAft>
+              <a:buNone/>
+            </a:pPr>
+            <a:r>
+              <a:rPr lang="en" dirty="0"/>
+              <a:t>Application</a:t>
+            </a:r>
+            <a:endParaRPr dirty="0"/>
+          </a:p>
+        </p:txBody>
+      </p:sp>
+      <p:cxnSp>
+        <p:nvCxnSpPr>
+          <p:cNvPr id="738" name="Google Shape;738;p79"/>
+          <p:cNvCxnSpPr/>
+          <p:nvPr/>
+        </p:nvCxnSpPr>
+        <p:spPr>
+          <a:xfrm>
+            <a:off x="4065100" y="1169326"/>
+            <a:ext cx="1014000" cy="0"/>
+          </a:xfrm>
+          <a:prstGeom prst="straightConnector1">
+            <a:avLst/>
+          </a:prstGeom>
+          <a:noFill/>
+          <a:ln w="9525" cap="flat" cmpd="sng">
+            <a:solidFill>
+              <a:schemeClr val="accent2"/>
+            </a:solidFill>
+            <a:prstDash val="solid"/>
+            <a:round/>
+            <a:headEnd type="none" w="med" len="med"/>
+            <a:tailEnd type="none" w="med" len="med"/>
+          </a:ln>
+        </p:spPr>
+      </p:cxnSp>
+      <p:sp>
+        <p:nvSpPr>
+          <p:cNvPr id="11" name="TextBox 10">
+            <a:extLst>
+              <a:ext uri="{FF2B5EF4-FFF2-40B4-BE49-F238E27FC236}">
+                <a16:creationId xmlns:a16="http://schemas.microsoft.com/office/drawing/2014/main" id="{EF9EA0EB-6102-8BDF-6D80-7F046B89F0C2}"/>
+              </a:ext>
+            </a:extLst>
+          </p:cNvPr>
+          <p:cNvSpPr txBox="1"/>
+          <p:nvPr/>
+        </p:nvSpPr>
+        <p:spPr>
+          <a:xfrm>
+            <a:off x="1320067" y="1447600"/>
+            <a:ext cx="7019925" cy="1938992"/>
+          </a:xfrm>
+          <a:prstGeom prst="rect">
+            <a:avLst/>
+          </a:prstGeom>
+          <a:noFill/>
+        </p:spPr>
+        <p:txBody>
+          <a:bodyPr wrap="square">
+            <a:spAutoFit/>
+          </a:bodyPr>
+          <a:lstStyle/>
+          <a:p>
+            <a:pPr marL="285750" indent="-285750" algn="l">
+              <a:buFont typeface="Arial" panose="020B0604020202020204" pitchFamily="34" charset="0"/>
+              <a:buChar char="•"/>
+            </a:pPr>
+            <a:r>
+              <a:rPr lang="en-IN" sz="1500" b="0" i="0" dirty="0">
+                <a:solidFill>
+                  <a:schemeClr val="tx1"/>
+                </a:solidFill>
+                <a:effectLst/>
+                <a:latin typeface="Times New Roman" panose="02020603050405020304" pitchFamily="18" charset="0"/>
+                <a:cs typeface="Times New Roman" panose="02020603050405020304" pitchFamily="18" charset="0"/>
+              </a:rPr>
+              <a:t>Market Basket Analysis</a:t>
+            </a:r>
+          </a:p>
+          <a:p>
+            <a:pPr marL="285750" indent="-285750" algn="l">
+              <a:buFont typeface="Arial" panose="020B0604020202020204" pitchFamily="34" charset="0"/>
+              <a:buChar char="•"/>
+            </a:pPr>
+            <a:r>
+              <a:rPr lang="en-IN" sz="1500" b="0" i="0" dirty="0">
+                <a:solidFill>
+                  <a:schemeClr val="tx1"/>
+                </a:solidFill>
+                <a:effectLst/>
+                <a:latin typeface="Times New Roman" panose="02020603050405020304" pitchFamily="18" charset="0"/>
+                <a:cs typeface="Times New Roman" panose="02020603050405020304" pitchFamily="18" charset="0"/>
+              </a:rPr>
+              <a:t>Recommender Systems</a:t>
+            </a:r>
+          </a:p>
+          <a:p>
+            <a:pPr marL="285750" indent="-285750" algn="l">
+              <a:buFont typeface="Arial" panose="020B0604020202020204" pitchFamily="34" charset="0"/>
+              <a:buChar char="•"/>
+            </a:pPr>
+            <a:r>
+              <a:rPr lang="en-IN" sz="1500" b="0" i="0" dirty="0">
+                <a:solidFill>
+                  <a:schemeClr val="tx1"/>
+                </a:solidFill>
+                <a:effectLst/>
+                <a:latin typeface="Times New Roman" panose="02020603050405020304" pitchFamily="18" charset="0"/>
+                <a:cs typeface="Times New Roman" panose="02020603050405020304" pitchFamily="18" charset="0"/>
+              </a:rPr>
+              <a:t>Fraud Detection</a:t>
+            </a:r>
+          </a:p>
+          <a:p>
+            <a:pPr marL="285750" indent="-285750" algn="l">
+              <a:buFont typeface="Arial" panose="020B0604020202020204" pitchFamily="34" charset="0"/>
+              <a:buChar char="•"/>
+            </a:pPr>
+            <a:r>
+              <a:rPr lang="en-IN" sz="1500" b="0" i="0" dirty="0">
+                <a:solidFill>
+                  <a:schemeClr val="tx1"/>
+                </a:solidFill>
+                <a:effectLst/>
+                <a:latin typeface="Times New Roman" panose="02020603050405020304" pitchFamily="18" charset="0"/>
+                <a:cs typeface="Times New Roman" panose="02020603050405020304" pitchFamily="18" charset="0"/>
+              </a:rPr>
+              <a:t>Healthcare Data Analysis:</a:t>
+            </a:r>
+          </a:p>
+          <a:p>
+            <a:pPr marL="285750" indent="-285750" algn="l">
+              <a:buFont typeface="Arial" panose="020B0604020202020204" pitchFamily="34" charset="0"/>
+              <a:buChar char="•"/>
+            </a:pPr>
+            <a:r>
+              <a:rPr lang="en-IN" sz="1500" b="0" i="0" dirty="0">
+                <a:solidFill>
+                  <a:schemeClr val="tx1"/>
+                </a:solidFill>
+                <a:effectLst/>
+                <a:latin typeface="Times New Roman" panose="02020603050405020304" pitchFamily="18" charset="0"/>
+                <a:cs typeface="Times New Roman" panose="02020603050405020304" pitchFamily="18" charset="0"/>
+              </a:rPr>
+              <a:t>Text Mining</a:t>
+            </a:r>
+            <a:endParaRPr lang="en-IN" sz="1500" dirty="0">
+              <a:solidFill>
+                <a:schemeClr val="tx1"/>
+              </a:solidFill>
+              <a:latin typeface="Times New Roman" panose="02020603050405020304" pitchFamily="18" charset="0"/>
+              <a:cs typeface="Times New Roman" panose="02020603050405020304" pitchFamily="18" charset="0"/>
+            </a:endParaRPr>
+          </a:p>
+          <a:p>
+            <a:pPr marL="285750" indent="-285750" algn="l">
+              <a:buFont typeface="Arial" panose="020B0604020202020204" pitchFamily="34" charset="0"/>
+              <a:buChar char="•"/>
+            </a:pPr>
+            <a:r>
+              <a:rPr lang="en-IN" sz="1500" b="0" i="0" dirty="0">
+                <a:solidFill>
+                  <a:schemeClr val="tx1"/>
+                </a:solidFill>
+                <a:effectLst/>
+                <a:latin typeface="Times New Roman" panose="02020603050405020304" pitchFamily="18" charset="0"/>
+                <a:cs typeface="Times New Roman" panose="02020603050405020304" pitchFamily="18" charset="0"/>
+              </a:rPr>
+              <a:t>Intrusion Detection</a:t>
+            </a:r>
+          </a:p>
+          <a:p>
+            <a:pPr marL="285750" indent="-285750" algn="l">
+              <a:buFont typeface="Arial" panose="020B0604020202020204" pitchFamily="34" charset="0"/>
+              <a:buChar char="•"/>
+            </a:pPr>
+            <a:r>
+              <a:rPr lang="en-IN" sz="1500" b="0" i="0" dirty="0">
+                <a:solidFill>
+                  <a:schemeClr val="tx1"/>
+                </a:solidFill>
+                <a:effectLst/>
+                <a:latin typeface="Times New Roman" panose="02020603050405020304" pitchFamily="18" charset="0"/>
+                <a:cs typeface="Times New Roman" panose="02020603050405020304" pitchFamily="18" charset="0"/>
+              </a:rPr>
+              <a:t>Bioinformatics</a:t>
+            </a:r>
+            <a:endParaRPr lang="en-IN" sz="1500" dirty="0">
+              <a:solidFill>
+                <a:schemeClr val="tx1"/>
+              </a:solidFill>
+              <a:latin typeface="Times New Roman" panose="02020603050405020304" pitchFamily="18" charset="0"/>
+              <a:cs typeface="Times New Roman" panose="02020603050405020304" pitchFamily="18" charset="0"/>
+            </a:endParaRPr>
+          </a:p>
+          <a:p>
+            <a:pPr marL="285750" indent="-285750" algn="l">
+              <a:buFont typeface="Arial" panose="020B0604020202020204" pitchFamily="34" charset="0"/>
+              <a:buChar char="•"/>
+            </a:pPr>
+            <a:r>
+              <a:rPr lang="en-IN" sz="1500" b="0" i="0" dirty="0">
+                <a:solidFill>
+                  <a:schemeClr val="tx1"/>
+                </a:solidFill>
+                <a:effectLst/>
+                <a:latin typeface="Times New Roman" panose="02020603050405020304" pitchFamily="18" charset="0"/>
+                <a:cs typeface="Times New Roman" panose="02020603050405020304" pitchFamily="18" charset="0"/>
+              </a:rPr>
+              <a:t>Web Usage Mining</a:t>
+            </a:r>
+          </a:p>
+        </p:txBody>
+      </p:sp>
+    </p:spTree>
+    <p:extLst>
+      <p:ext uri="{BB962C8B-B14F-4D97-AF65-F5344CB8AC3E}">
+        <p14:creationId xmlns:p14="http://schemas.microsoft.com/office/powerpoint/2010/main" val="454146580"/>
+      </p:ext>
+    </p:extLst>
+  </p:cSld>
+  <p:clrMapOvr>
+    <a:masterClrMapping/>
+  </p:clrMapOvr>
+</p:sld>
+</file>
+
+<file path=ppt/slides/slide25.xml><?xml version="1.0" encoding="utf-8"?>
 <p:sld xmlns:a="http://schemas.openxmlformats.org/drawingml/2006/main" xmlns:r="http://schemas.openxmlformats.org/officeDocument/2006/relationships" xmlns:p="http://schemas.openxmlformats.org/presentationml/2006/main">
   <p:cSld>
     <p:spTree>
@@ -18284,284 +18828,7 @@
 </p:sld>
 </file>
 
-<file path=ppt/slides/slide24.xml><?xml version="1.0" encoding="utf-8"?>
-<p:sld xmlns:a="http://schemas.openxmlformats.org/drawingml/2006/main" xmlns:r="http://schemas.openxmlformats.org/officeDocument/2006/relationships" xmlns:p="http://schemas.openxmlformats.org/presentationml/2006/main">
-  <p:cSld>
-    <p:spTree>
-      <p:nvGrpSpPr>
-        <p:cNvPr id="1" name="Shape 730"/>
-        <p:cNvGrpSpPr/>
-        <p:nvPr/>
-      </p:nvGrpSpPr>
-      <p:grpSpPr>
-        <a:xfrm>
-          <a:off x="0" y="0"/>
-          <a:ext cx="0" cy="0"/>
-          <a:chOff x="0" y="0"/>
-          <a:chExt cx="0" cy="0"/>
-        </a:xfrm>
-      </p:grpSpPr>
-      <p:sp>
-        <p:nvSpPr>
-          <p:cNvPr id="731" name="Google Shape;731;p79"/>
-          <p:cNvSpPr txBox="1">
-            <a:spLocks noGrp="1"/>
-          </p:cNvSpPr>
-          <p:nvPr>
-            <p:ph type="title"/>
-          </p:nvPr>
-        </p:nvSpPr>
-        <p:spPr>
-          <a:xfrm>
-            <a:off x="720075" y="539400"/>
-            <a:ext cx="7704000" cy="572700"/>
-          </a:xfrm>
-          <a:prstGeom prst="rect">
-            <a:avLst/>
-          </a:prstGeom>
-        </p:spPr>
-        <p:txBody>
-          <a:bodyPr spcFirstLastPara="1" wrap="square" lIns="91425" tIns="91425" rIns="91425" bIns="91425" anchor="t" anchorCtr="0">
-            <a:noAutofit/>
-          </a:bodyPr>
-          <a:lstStyle/>
-          <a:p>
-            <a:pPr marL="0" lvl="0" indent="0" algn="ctr" rtl="0">
-              <a:spcBef>
-                <a:spcPts val="0"/>
-              </a:spcBef>
-              <a:spcAft>
-                <a:spcPts val="0"/>
-              </a:spcAft>
-              <a:buNone/>
-            </a:pPr>
-            <a:r>
-              <a:rPr lang="en" dirty="0"/>
-              <a:t>Application</a:t>
-            </a:r>
-            <a:endParaRPr dirty="0"/>
-          </a:p>
-        </p:txBody>
-      </p:sp>
-      <p:cxnSp>
-        <p:nvCxnSpPr>
-          <p:cNvPr id="738" name="Google Shape;738;p79"/>
-          <p:cNvCxnSpPr/>
-          <p:nvPr/>
-        </p:nvCxnSpPr>
-        <p:spPr>
-          <a:xfrm>
-            <a:off x="4065100" y="1169326"/>
-            <a:ext cx="1014000" cy="0"/>
-          </a:xfrm>
-          <a:prstGeom prst="straightConnector1">
-            <a:avLst/>
-          </a:prstGeom>
-          <a:noFill/>
-          <a:ln w="9525" cap="flat" cmpd="sng">
-            <a:solidFill>
-              <a:schemeClr val="accent2"/>
-            </a:solidFill>
-            <a:prstDash val="solid"/>
-            <a:round/>
-            <a:headEnd type="none" w="med" len="med"/>
-            <a:tailEnd type="none" w="med" len="med"/>
-          </a:ln>
-        </p:spPr>
-      </p:cxnSp>
-      <p:sp>
-        <p:nvSpPr>
-          <p:cNvPr id="11" name="TextBox 10">
-            <a:extLst>
-              <a:ext uri="{FF2B5EF4-FFF2-40B4-BE49-F238E27FC236}">
-                <a16:creationId xmlns:a16="http://schemas.microsoft.com/office/drawing/2014/main" id="{EF9EA0EB-6102-8BDF-6D80-7F046B89F0C2}"/>
-              </a:ext>
-            </a:extLst>
-          </p:cNvPr>
-          <p:cNvSpPr txBox="1"/>
-          <p:nvPr/>
-        </p:nvSpPr>
-        <p:spPr>
-          <a:xfrm>
-            <a:off x="1320067" y="1447600"/>
-            <a:ext cx="7019925" cy="1938992"/>
-          </a:xfrm>
-          <a:prstGeom prst="rect">
-            <a:avLst/>
-          </a:prstGeom>
-          <a:noFill/>
-        </p:spPr>
-        <p:txBody>
-          <a:bodyPr wrap="square">
-            <a:spAutoFit/>
-          </a:bodyPr>
-          <a:lstStyle/>
-          <a:p>
-            <a:pPr marL="285750" indent="-285750" algn="l">
-              <a:buFont typeface="Arial" panose="020B0604020202020204" pitchFamily="34" charset="0"/>
-              <a:buChar char="•"/>
-            </a:pPr>
-            <a:r>
-              <a:rPr lang="en-IN" sz="1500" b="0" i="0" dirty="0">
-                <a:solidFill>
-                  <a:schemeClr val="tx1"/>
-                </a:solidFill>
-                <a:effectLst/>
-                <a:latin typeface="Times New Roman" panose="02020603050405020304" pitchFamily="18" charset="0"/>
-                <a:cs typeface="Times New Roman" panose="02020603050405020304" pitchFamily="18" charset="0"/>
-              </a:rPr>
-              <a:t>Market Basket Analysis</a:t>
-            </a:r>
-          </a:p>
-          <a:p>
-            <a:pPr marL="285750" indent="-285750" algn="l">
-              <a:buFont typeface="Arial" panose="020B0604020202020204" pitchFamily="34" charset="0"/>
-              <a:buChar char="•"/>
-            </a:pPr>
-            <a:r>
-              <a:rPr lang="en-IN" sz="1500" b="0" i="0" dirty="0">
-                <a:solidFill>
-                  <a:schemeClr val="tx1"/>
-                </a:solidFill>
-                <a:effectLst/>
-                <a:latin typeface="Times New Roman" panose="02020603050405020304" pitchFamily="18" charset="0"/>
-                <a:cs typeface="Times New Roman" panose="02020603050405020304" pitchFamily="18" charset="0"/>
-              </a:rPr>
-              <a:t>Recommender Systems</a:t>
-            </a:r>
-          </a:p>
-          <a:p>
-            <a:pPr marL="285750" indent="-285750" algn="l">
-              <a:buFont typeface="Arial" panose="020B0604020202020204" pitchFamily="34" charset="0"/>
-              <a:buChar char="•"/>
-            </a:pPr>
-            <a:r>
-              <a:rPr lang="en-IN" sz="1500" b="0" i="0" dirty="0">
-                <a:solidFill>
-                  <a:schemeClr val="tx1"/>
-                </a:solidFill>
-                <a:effectLst/>
-                <a:latin typeface="Times New Roman" panose="02020603050405020304" pitchFamily="18" charset="0"/>
-                <a:cs typeface="Times New Roman" panose="02020603050405020304" pitchFamily="18" charset="0"/>
-              </a:rPr>
-              <a:t>Fraud Detection</a:t>
-            </a:r>
-          </a:p>
-          <a:p>
-            <a:pPr marL="285750" indent="-285750" algn="l">
-              <a:buFont typeface="Arial" panose="020B0604020202020204" pitchFamily="34" charset="0"/>
-              <a:buChar char="•"/>
-            </a:pPr>
-            <a:r>
-              <a:rPr lang="en-IN" sz="1500" b="0" i="0" dirty="0">
-                <a:solidFill>
-                  <a:schemeClr val="tx1"/>
-                </a:solidFill>
-                <a:effectLst/>
-                <a:latin typeface="Times New Roman" panose="02020603050405020304" pitchFamily="18" charset="0"/>
-                <a:cs typeface="Times New Roman" panose="02020603050405020304" pitchFamily="18" charset="0"/>
-              </a:rPr>
-              <a:t>Healthcare Data Analysis:</a:t>
-            </a:r>
-          </a:p>
-          <a:p>
-            <a:pPr marL="285750" indent="-285750" algn="l">
-              <a:buFont typeface="Arial" panose="020B0604020202020204" pitchFamily="34" charset="0"/>
-              <a:buChar char="•"/>
-            </a:pPr>
-            <a:r>
-              <a:rPr lang="en-IN" sz="1500" b="0" i="0" dirty="0">
-                <a:solidFill>
-                  <a:schemeClr val="tx1"/>
-                </a:solidFill>
-                <a:effectLst/>
-                <a:latin typeface="Times New Roman" panose="02020603050405020304" pitchFamily="18" charset="0"/>
-                <a:cs typeface="Times New Roman" panose="02020603050405020304" pitchFamily="18" charset="0"/>
-              </a:rPr>
-              <a:t>Text Mining</a:t>
-            </a:r>
-            <a:endParaRPr lang="en-IN" sz="1500" dirty="0">
-              <a:solidFill>
-                <a:schemeClr val="tx1"/>
-              </a:solidFill>
-              <a:latin typeface="Times New Roman" panose="02020603050405020304" pitchFamily="18" charset="0"/>
-              <a:cs typeface="Times New Roman" panose="02020603050405020304" pitchFamily="18" charset="0"/>
-            </a:endParaRPr>
-          </a:p>
-          <a:p>
-            <a:pPr marL="285750" indent="-285750" algn="l">
-              <a:buFont typeface="Arial" panose="020B0604020202020204" pitchFamily="34" charset="0"/>
-              <a:buChar char="•"/>
-            </a:pPr>
-            <a:r>
-              <a:rPr lang="en-IN" sz="1500" b="0" i="0" dirty="0">
-                <a:solidFill>
-                  <a:schemeClr val="tx1"/>
-                </a:solidFill>
-                <a:effectLst/>
-                <a:latin typeface="Times New Roman" panose="02020603050405020304" pitchFamily="18" charset="0"/>
-                <a:cs typeface="Times New Roman" panose="02020603050405020304" pitchFamily="18" charset="0"/>
-              </a:rPr>
-              <a:t>Intrusion Detection</a:t>
-            </a:r>
-          </a:p>
-          <a:p>
-            <a:pPr marL="285750" indent="-285750" algn="l">
-              <a:buFont typeface="Arial" panose="020B0604020202020204" pitchFamily="34" charset="0"/>
-              <a:buChar char="•"/>
-            </a:pPr>
-            <a:r>
-              <a:rPr lang="en-IN" sz="1500" b="0" i="0" dirty="0">
-                <a:solidFill>
-                  <a:schemeClr val="tx1"/>
-                </a:solidFill>
-                <a:effectLst/>
-                <a:latin typeface="Times New Roman" panose="02020603050405020304" pitchFamily="18" charset="0"/>
-                <a:cs typeface="Times New Roman" panose="02020603050405020304" pitchFamily="18" charset="0"/>
-              </a:rPr>
-              <a:t>Bioinformatics</a:t>
-            </a:r>
-            <a:endParaRPr lang="en-IN" sz="1500" dirty="0">
-              <a:solidFill>
-                <a:schemeClr val="tx1"/>
-              </a:solidFill>
-              <a:latin typeface="Times New Roman" panose="02020603050405020304" pitchFamily="18" charset="0"/>
-              <a:cs typeface="Times New Roman" panose="02020603050405020304" pitchFamily="18" charset="0"/>
-            </a:endParaRPr>
-          </a:p>
-          <a:p>
-            <a:pPr marL="285750" indent="-285750" algn="l">
-              <a:buFont typeface="Arial" panose="020B0604020202020204" pitchFamily="34" charset="0"/>
-              <a:buChar char="•"/>
-            </a:pPr>
-            <a:r>
-              <a:rPr lang="en-IN" sz="1500" b="0" i="0" dirty="0">
-                <a:solidFill>
-                  <a:schemeClr val="tx1"/>
-                </a:solidFill>
-                <a:effectLst/>
-                <a:latin typeface="Times New Roman" panose="02020603050405020304" pitchFamily="18" charset="0"/>
-                <a:cs typeface="Times New Roman" panose="02020603050405020304" pitchFamily="18" charset="0"/>
-              </a:rPr>
-              <a:t>Web Usage Mining</a:t>
-            </a:r>
-          </a:p>
-        </p:txBody>
-      </p:sp>
-    </p:spTree>
-    <p:extLst>
-      <p:ext uri="{BB962C8B-B14F-4D97-AF65-F5344CB8AC3E}">
-        <p14:creationId xmlns:p14="http://schemas.microsoft.com/office/powerpoint/2010/main" val="454146580"/>
-      </p:ext>
-    </p:extLst>
-  </p:cSld>
-  <p:clrMapOvr>
-    <a:masterClrMapping/>
-  </p:clrMapOvr>
-</p:sld>
-</file>
-
-<file path=ppt/slides/slide25.xml><?xml version="1.0" encoding="utf-8"?>
+<file path=ppt/slides/slide26.xml><?xml version="1.0" encoding="utf-8"?>
 <p:sld xmlns:a="http://schemas.openxmlformats.org/drawingml/2006/main" xmlns:r="http://schemas.openxmlformats.org/officeDocument/2006/relationships" xmlns:p="http://schemas.openxmlformats.org/presentationml/2006/main">
   <p:cSld>
     <p:spTree>
@@ -18614,7 +18881,7 @@
             </a:pPr>
             <a:r>
               <a:rPr lang="en" dirty="0"/>
-              <a:t>05</a:t>
+              <a:t>06</a:t>
             </a:r>
             <a:endParaRPr dirty="0"/>
           </a:p>
@@ -18675,7 +18942,7 @@
 </p:sld>
 </file>
 
-<file path=ppt/slides/slide26.xml><?xml version="1.0" encoding="utf-8"?>
+<file path=ppt/slides/slide27.xml><?xml version="1.0" encoding="utf-8"?>
 <p:sld xmlns:a="http://schemas.openxmlformats.org/drawingml/2006/main" xmlns:r="http://schemas.openxmlformats.org/officeDocument/2006/relationships" xmlns:p="http://schemas.openxmlformats.org/presentationml/2006/main">
   <p:cSld>
     <p:spTree>
@@ -18846,7 +19113,7 @@
 </p:sld>
 </file>
 
-<file path=ppt/slides/slide27.xml><?xml version="1.0" encoding="utf-8"?>
+<file path=ppt/slides/slide28.xml><?xml version="1.0" encoding="utf-8"?>
 <p:sld xmlns:a="http://schemas.openxmlformats.org/drawingml/2006/main" xmlns:r="http://schemas.openxmlformats.org/officeDocument/2006/relationships" xmlns:p="http://schemas.openxmlformats.org/presentationml/2006/main">
   <p:cSld>
     <p:spTree>
